--- a/src/HW4/HW_4_LiB_Models_Review_Paper.pptx
+++ b/src/HW4/HW_4_LiB_Models_Review_Paper.pptx
@@ -518,12 +518,6 @@
           <a:lstStyle/>
           <a:p>
             <a:pPr algn="l"/>
-            <a:r>
-              <a:rPr lang="en-US" sz="1800" b="0" i="0" u="none" strike="noStrike" baseline="0" dirty="0">
-                <a:latin typeface="MinionLT-Regular"/>
-              </a:rPr>
-              <a:t>Good morning. </a:t>
-            </a:r>
             <a:endParaRPr lang="en-US" dirty="0"/>
           </a:p>
         </p:txBody>
@@ -612,20 +606,10 @@
               <a:buFont typeface="Arial" panose="020B0604020202020204" pitchFamily="34" charset="0"/>
               <a:buNone/>
             </a:pPr>
-            <a:r>
-              <a:rPr lang="en-US" sz="4800" dirty="0">
-                <a:latin typeface="Times New Roman" panose="02020603050405020304" pitchFamily="18" charset="0"/>
-                <a:cs typeface="Times New Roman" panose="02020603050405020304" pitchFamily="18" charset="0"/>
-              </a:rPr>
-              <a:t>which incorporates detailed representations of each component, including electrode particles, electrolyte-filled pores, and conductive binders. </a:t>
-            </a:r>
-            <a:r>
-              <a:rPr lang="en-US" sz="3600" dirty="0">
-                <a:latin typeface="Times New Roman" panose="02020603050405020304" pitchFamily="18" charset="0"/>
-                <a:cs typeface="Times New Roman" panose="02020603050405020304" pitchFamily="18" charset="0"/>
-              </a:rPr>
-              <a:t>Although this model is the most detailed, it is also computationally expensive.</a:t>
-            </a:r>
+            <a:endParaRPr lang="en-US" sz="3600" dirty="0">
+              <a:latin typeface="Times New Roman" panose="02020603050405020304" pitchFamily="18" charset="0"/>
+              <a:cs typeface="Times New Roman" panose="02020603050405020304" pitchFamily="18" charset="0"/>
+            </a:endParaRPr>
           </a:p>
         </p:txBody>
       </p:sp>
@@ -727,45 +711,6 @@
           <a:bodyPr/>
           <a:lstStyle/>
           <a:p>
-            <a:pPr>
-              <a:buNone/>
-            </a:pPr>
-            <a:r>
-              <a:rPr lang="en-US" dirty="0"/>
-              <a:t>The Doyle–Fuller–Newman, or DFN, model is one of the most influential and widely used physics-based models for lithium-ion batteries. Developed in the early 1990s, this model represents a major advancement in our ability to simulate and understand battery behavior from a mechanistic perspective. It simplifies the three-dimensional complexity of a battery’s internal microstructure into a one-dimensional domain that spans across the thickness of the cell. This domain is divided into three regions: the negative electrode or anode, the separator, and the positive electrode or cathode. </a:t>
-            </a:r>
-            <a:r>
-              <a:rPr lang="en-US" i="1" dirty="0"/>
-              <a:t>Within the electrodes, the model assumes a </a:t>
-            </a:r>
-            <a:r>
-              <a:rPr lang="en-US" i="1" dirty="0" err="1"/>
-              <a:t>homogenised</a:t>
-            </a:r>
-            <a:r>
-              <a:rPr lang="en-US" i="1" dirty="0"/>
-              <a:t> porous structure, where the active material particles are treated as uniformly distributed and spherical. This assumption allows the model to capture solid-state lithium diffusion within individual particles and ion transport through the electrolyte and the electrochemical reactions at the interfaces.</a:t>
-            </a:r>
-            <a:endParaRPr lang="en-US" dirty="0"/>
-          </a:p>
-          <a:p>
-            <a:pPr>
-              <a:buNone/>
-            </a:pPr>
-            <a:r>
-              <a:rPr lang="en-US" i="1" dirty="0"/>
-              <a:t>These reactions are governed by the Butler–Volmer equation, which links the overpotential at the interface to the current density produced by the reaction. In addition to electrochemical kinetics, the model solves for conservation of charge in both the solid and electrolyte phases.</a:t>
-            </a:r>
-            <a:endParaRPr lang="en-US" dirty="0"/>
-          </a:p>
-          <a:p>
-            <a:r>
-              <a:rPr lang="en-US" i="1" dirty="0"/>
-              <a:t>The DFN model’s accuracy and comprehensiveness make it ideal for high-fidelity simulations. It’s used extensively in cell and pack-level simulations, thermal management, internal state estimation, and even degradation analysis</a:t>
-            </a:r>
-            <a:endParaRPr lang="en-US" dirty="0"/>
-          </a:p>
-          <a:p>
             <a:endParaRPr lang="en-US" dirty="0"/>
           </a:p>
         </p:txBody>
@@ -985,10 +930,7 @@
           <a:bodyPr/>
           <a:lstStyle/>
           <a:p>
-            <a:r>
-              <a:rPr lang="en-US" dirty="0"/>
-              <a:t>This is a modified version of microstructure model</a:t>
-            </a:r>
+            <a:endParaRPr lang="en-US" dirty="0"/>
           </a:p>
         </p:txBody>
       </p:sp>
